--- a/ppt/valorantprezentáció.pptx
+++ b/ppt/valorantprezentáció.pptx
@@ -7928,7 +7928,7 @@
             <a:round/>
             <a:extLst>
               <a:ext uri="{C807C97D-BFC1-408E-A445-0C87EB9F89A2}">
-                <ask:lineSketchStyleProps xmlns="" xmlns:ask="http://schemas.microsoft.com/office/drawing/2018/sketchyshapes" sd="1219033472">
+                <ask:lineSketchStyleProps xmlns:ask="http://schemas.microsoft.com/office/drawing/2018/sketchyshapes" xmlns="" sd="1219033472">
                   <a:prstGeom prst="mathPlus">
                     <a:avLst/>
                   </a:prstGeom>
@@ -9281,7 +9281,7 @@
             </a:solidFill>
             <a:extLst>
               <a:ext uri="{C807C97D-BFC1-408E-A445-0C87EB9F89A2}">
-                <ask:lineSketchStyleProps xmlns="" xmlns:ask="http://schemas.microsoft.com/office/drawing/2018/sketchyshapes" sd="1219033472">
+                <ask:lineSketchStyleProps xmlns:ask="http://schemas.microsoft.com/office/drawing/2018/sketchyshapes" xmlns="" sd="1219033472">
                   <a:prstGeom prst="chevron">
                     <a:avLst/>
                   </a:prstGeom>
@@ -9352,7 +9352,7 @@
               <a:gd name="adj" fmla="val 5774"/>
             </a:avLst>
           </a:prstGeom>
-          <a:ln w="12700">
+          <a:ln w="6350">
             <a:solidFill>
               <a:schemeClr val="tx2"/>
             </a:solidFill>
@@ -9389,7 +9389,7 @@
               <a:gd name="adj" fmla="val 2622"/>
             </a:avLst>
           </a:prstGeom>
-          <a:ln w="12700">
+          <a:ln w="6350">
             <a:solidFill>
               <a:srgbClr val="FF0000"/>
             </a:solidFill>
@@ -11358,7 +11358,7 @@
             <a:prstDash val="solid"/>
             <a:extLst>
               <a:ext uri="{C807C97D-BFC1-408E-A445-0C87EB9F89A2}">
-                <ask:lineSketchStyleProps xmlns="" xmlns:ask="http://schemas.microsoft.com/office/drawing/2018/sketchyshapes" sd="2459340768">
+                <ask:lineSketchStyleProps xmlns:ask="http://schemas.microsoft.com/office/drawing/2018/sketchyshapes" xmlns="" sd="2459340768">
                   <a:custGeom>
                     <a:avLst/>
                     <a:gdLst>

--- a/ppt/valorantprezentáció.pptx
+++ b/ppt/valorantprezentáció.pptx
@@ -7928,7 +7928,7 @@
             <a:round/>
             <a:extLst>
               <a:ext uri="{C807C97D-BFC1-408E-A445-0C87EB9F89A2}">
-                <ask:lineSketchStyleProps xmlns:ask="http://schemas.microsoft.com/office/drawing/2018/sketchyshapes" xmlns="" sd="1219033472">
+                <ask:lineSketchStyleProps xmlns="" xmlns:ask="http://schemas.microsoft.com/office/drawing/2018/sketchyshapes" sd="1219033472">
                   <a:prstGeom prst="mathPlus">
                     <a:avLst/>
                   </a:prstGeom>
@@ -9154,8 +9154,8 @@
         </p:nvSpPr>
         <p:spPr>
           <a:xfrm>
-            <a:off x="5334001" y="2571750"/>
-            <a:ext cx="785813" cy="785813"/>
+            <a:off x="6545239" y="2138155"/>
+            <a:ext cx="632413" cy="632413"/>
           </a:xfrm>
           <a:custGeom>
             <a:avLst/>
@@ -9281,7 +9281,7 @@
             </a:solidFill>
             <a:extLst>
               <a:ext uri="{C807C97D-BFC1-408E-A445-0C87EB9F89A2}">
-                <ask:lineSketchStyleProps xmlns:ask="http://schemas.microsoft.com/office/drawing/2018/sketchyshapes" xmlns="" sd="1219033472">
+                <ask:lineSketchStyleProps xmlns="" xmlns:ask="http://schemas.microsoft.com/office/drawing/2018/sketchyshapes" sd="1219033472">
                   <a:prstGeom prst="chevron">
                     <a:avLst/>
                   </a:prstGeom>
@@ -9314,7 +9314,7 @@
           <a:lstStyle/>
           <a:p>
             <a:pPr algn="ctr"/>
-            <a:endParaRPr lang="hu-HU">
+            <a:endParaRPr lang="hu-HU" dirty="0">
               <a:solidFill>
                 <a:schemeClr val="tx1"/>
               </a:solidFill>
@@ -9344,8 +9344,8 @@
         </p:blipFill>
         <p:spPr>
           <a:xfrm>
-            <a:off x="6493670" y="1320923"/>
-            <a:ext cx="1456798" cy="3311940"/>
+            <a:off x="7609826" y="1121658"/>
+            <a:ext cx="1172413" cy="2665408"/>
           </a:xfrm>
           <a:prstGeom prst="roundRect">
             <a:avLst>
@@ -9381,8 +9381,8 @@
         </p:blipFill>
         <p:spPr>
           <a:xfrm>
-            <a:off x="1329171" y="1320923"/>
-            <a:ext cx="3519054" cy="3353860"/>
+            <a:off x="3415768" y="1104788"/>
+            <a:ext cx="2832091" cy="2699145"/>
           </a:xfrm>
           <a:prstGeom prst="roundRect">
             <a:avLst>
@@ -9394,6 +9394,36 @@
               <a:srgbClr val="FF0000"/>
             </a:solidFill>
           </a:ln>
+        </p:spPr>
+      </p:pic>
+      <p:pic>
+        <p:nvPicPr>
+          <p:cNvPr id="5" name="Kép 4">
+            <a:extLst>
+              <a:ext uri="{FF2B5EF4-FFF2-40B4-BE49-F238E27FC236}">
+                <a16:creationId xmlns:a16="http://schemas.microsoft.com/office/drawing/2014/main" id="{A4721E40-B710-405E-87BF-A1440CFEB06B}"/>
+              </a:ext>
+            </a:extLst>
+          </p:cNvPr>
+          <p:cNvPicPr>
+            <a:picLocks noChangeAspect="1"/>
+          </p:cNvPicPr>
+          <p:nvPr/>
+        </p:nvPicPr>
+        <p:blipFill>
+          <a:blip r:embed="rId5"/>
+          <a:stretch>
+            <a:fillRect/>
+          </a:stretch>
+        </p:blipFill>
+        <p:spPr>
+          <a:xfrm>
+            <a:off x="2173132" y="1026582"/>
+            <a:ext cx="5051242" cy="3685884"/>
+          </a:xfrm>
+          <a:prstGeom prst="rect">
+            <a:avLst/>
+          </a:prstGeom>
         </p:spPr>
       </p:pic>
     </p:spTree>
@@ -9600,6 +9630,127 @@
                       </p:childTnLst>
                     </p:cTn>
                   </p:par>
+                  <p:par>
+                    <p:cTn id="18" fill="hold">
+                      <p:stCondLst>
+                        <p:cond delay="indefinite"/>
+                      </p:stCondLst>
+                      <p:childTnLst>
+                        <p:par>
+                          <p:cTn id="19" fill="hold">
+                            <p:stCondLst>
+                              <p:cond delay="0"/>
+                            </p:stCondLst>
+                            <p:childTnLst>
+                              <p:par>
+                                <p:cTn id="20" presetID="53" presetClass="entr" presetSubtype="16" fill="hold" nodeType="clickEffect">
+                                  <p:stCondLst>
+                                    <p:cond delay="0"/>
+                                  </p:stCondLst>
+                                  <p:childTnLst>
+                                    <p:set>
+                                      <p:cBhvr>
+                                        <p:cTn id="21" dur="1" fill="hold">
+                                          <p:stCondLst>
+                                            <p:cond delay="0"/>
+                                          </p:stCondLst>
+                                        </p:cTn>
+                                        <p:tgtEl>
+                                          <p:spTgt spid="5"/>
+                                        </p:tgtEl>
+                                        <p:attrNameLst>
+                                          <p:attrName>style.visibility</p:attrName>
+                                        </p:attrNameLst>
+                                      </p:cBhvr>
+                                      <p:to>
+                                        <p:strVal val="visible"/>
+                                      </p:to>
+                                    </p:set>
+                                    <p:anim calcmode="lin" valueType="num">
+                                      <p:cBhvr>
+                                        <p:cTn id="22" dur="500" fill="hold"/>
+                                        <p:tgtEl>
+                                          <p:spTgt spid="5"/>
+                                        </p:tgtEl>
+                                        <p:attrNameLst>
+                                          <p:attrName>ppt_w</p:attrName>
+                                        </p:attrNameLst>
+                                      </p:cBhvr>
+                                      <p:tavLst>
+                                        <p:tav tm="0">
+                                          <p:val>
+                                            <p:fltVal val="0"/>
+                                          </p:val>
+                                        </p:tav>
+                                        <p:tav tm="100000">
+                                          <p:val>
+                                            <p:strVal val="#ppt_w"/>
+                                          </p:val>
+                                        </p:tav>
+                                      </p:tavLst>
+                                    </p:anim>
+                                    <p:anim calcmode="lin" valueType="num">
+                                      <p:cBhvr>
+                                        <p:cTn id="23" dur="500" fill="hold"/>
+                                        <p:tgtEl>
+                                          <p:spTgt spid="5"/>
+                                        </p:tgtEl>
+                                        <p:attrNameLst>
+                                          <p:attrName>ppt_h</p:attrName>
+                                        </p:attrNameLst>
+                                      </p:cBhvr>
+                                      <p:tavLst>
+                                        <p:tav tm="0">
+                                          <p:val>
+                                            <p:fltVal val="0"/>
+                                          </p:val>
+                                        </p:tav>
+                                        <p:tav tm="100000">
+                                          <p:val>
+                                            <p:strVal val="#ppt_h"/>
+                                          </p:val>
+                                        </p:tav>
+                                      </p:tavLst>
+                                    </p:anim>
+                                    <p:animEffect transition="in" filter="fade">
+                                      <p:cBhvr>
+                                        <p:cTn id="24" dur="500"/>
+                                        <p:tgtEl>
+                                          <p:spTgt spid="5"/>
+                                        </p:tgtEl>
+                                      </p:cBhvr>
+                                    </p:animEffect>
+                                  </p:childTnLst>
+                                </p:cTn>
+                              </p:par>
+                              <p:par>
+                                <p:cTn id="25" presetID="42" presetClass="path" presetSubtype="0" accel="50000" decel="50000" fill="hold" nodeType="withEffect">
+                                  <p:stCondLst>
+                                    <p:cond delay="0"/>
+                                  </p:stCondLst>
+                                  <p:childTnLst>
+                                    <p:animMotion origin="layout" path="M -0.2066 0.00154 L 1.11111E-6 3.95062E-6 " pathEditMode="relative" rAng="0" ptsTypes="AA">
+                                      <p:cBhvr>
+                                        <p:cTn id="26" dur="500" fill="hold"/>
+                                        <p:tgtEl>
+                                          <p:spTgt spid="5"/>
+                                        </p:tgtEl>
+                                        <p:attrNameLst>
+                                          <p:attrName>ppt_x</p:attrName>
+                                          <p:attrName>ppt_y</p:attrName>
+                                        </p:attrNameLst>
+                                      </p:cBhvr>
+                                      <p:rCtr x="10330" y="-93"/>
+                                    </p:animMotion>
+                                  </p:childTnLst>
+                                </p:cTn>
+                              </p:par>
+                            </p:childTnLst>
+                          </p:cTn>
+                        </p:par>
+                      </p:childTnLst>
+                    </p:cTn>
+                  </p:par>
                 </p:childTnLst>
               </p:cTn>
               <p:prevCondLst>
@@ -10554,6 +10705,36 @@
               <a:schemeClr val="tx2"/>
             </a:solidFill>
           </a:ln>
+        </p:spPr>
+      </p:pic>
+      <p:pic>
+        <p:nvPicPr>
+          <p:cNvPr id="5" name="Kép 4">
+            <a:extLst>
+              <a:ext uri="{FF2B5EF4-FFF2-40B4-BE49-F238E27FC236}">
+                <a16:creationId xmlns:a16="http://schemas.microsoft.com/office/drawing/2014/main" id="{8004A40D-5EFE-4C64-A56C-EA177004F2E0}"/>
+              </a:ext>
+            </a:extLst>
+          </p:cNvPr>
+          <p:cNvPicPr>
+            <a:picLocks noChangeAspect="1"/>
+          </p:cNvPicPr>
+          <p:nvPr/>
+        </p:nvPicPr>
+        <p:blipFill>
+          <a:blip r:embed="rId4"/>
+          <a:stretch>
+            <a:fillRect/>
+          </a:stretch>
+        </p:blipFill>
+        <p:spPr>
+          <a:xfrm>
+            <a:off x="2778264" y="1988987"/>
+            <a:ext cx="3580324" cy="1561152"/>
+          </a:xfrm>
+          <a:prstGeom prst="rect">
+            <a:avLst/>
+          </a:prstGeom>
         </p:spPr>
       </p:pic>
     </p:spTree>
@@ -10802,6 +10983,127 @@
                                         <p:strVal val="hidden"/>
                                       </p:to>
                                     </p:set>
+                                  </p:childTnLst>
+                                </p:cTn>
+                              </p:par>
+                            </p:childTnLst>
+                          </p:cTn>
+                        </p:par>
+                      </p:childTnLst>
+                    </p:cTn>
+                  </p:par>
+                  <p:par>
+                    <p:cTn id="20" fill="hold">
+                      <p:stCondLst>
+                        <p:cond delay="indefinite"/>
+                      </p:stCondLst>
+                      <p:childTnLst>
+                        <p:par>
+                          <p:cTn id="21" fill="hold">
+                            <p:stCondLst>
+                              <p:cond delay="0"/>
+                            </p:stCondLst>
+                            <p:childTnLst>
+                              <p:par>
+                                <p:cTn id="22" presetID="42" presetClass="path" presetSubtype="0" accel="50000" decel="50000" fill="hold" nodeType="clickEffect">
+                                  <p:stCondLst>
+                                    <p:cond delay="0"/>
+                                  </p:stCondLst>
+                                  <p:childTnLst>
+                                    <p:animMotion origin="layout" path="M 0.43437 0.35679 L -2.95987E-17 -4.81481E-6 " pathEditMode="relative" rAng="0" ptsTypes="AA">
+                                      <p:cBhvr>
+                                        <p:cTn id="23" dur="500" fill="hold"/>
+                                        <p:tgtEl>
+                                          <p:spTgt spid="5"/>
+                                        </p:tgtEl>
+                                        <p:attrNameLst>
+                                          <p:attrName>ppt_x</p:attrName>
+                                          <p:attrName>ppt_y</p:attrName>
+                                        </p:attrNameLst>
+                                      </p:cBhvr>
+                                      <p:rCtr x="-21701" y="-17778"/>
+                                    </p:animMotion>
+                                  </p:childTnLst>
+                                </p:cTn>
+                              </p:par>
+                              <p:par>
+                                <p:cTn id="24" presetID="53" presetClass="entr" presetSubtype="16" fill="hold" nodeType="withEffect">
+                                  <p:stCondLst>
+                                    <p:cond delay="0"/>
+                                  </p:stCondLst>
+                                  <p:childTnLst>
+                                    <p:set>
+                                      <p:cBhvr>
+                                        <p:cTn id="25" dur="1" fill="hold">
+                                          <p:stCondLst>
+                                            <p:cond delay="0"/>
+                                          </p:stCondLst>
+                                        </p:cTn>
+                                        <p:tgtEl>
+                                          <p:spTgt spid="5"/>
+                                        </p:tgtEl>
+                                        <p:attrNameLst>
+                                          <p:attrName>style.visibility</p:attrName>
+                                        </p:attrNameLst>
+                                      </p:cBhvr>
+                                      <p:to>
+                                        <p:strVal val="visible"/>
+                                      </p:to>
+                                    </p:set>
+                                    <p:anim calcmode="lin" valueType="num">
+                                      <p:cBhvr>
+                                        <p:cTn id="26" dur="500" fill="hold"/>
+                                        <p:tgtEl>
+                                          <p:spTgt spid="5"/>
+                                        </p:tgtEl>
+                                        <p:attrNameLst>
+                                          <p:attrName>ppt_w</p:attrName>
+                                        </p:attrNameLst>
+                                      </p:cBhvr>
+                                      <p:tavLst>
+                                        <p:tav tm="0">
+                                          <p:val>
+                                            <p:fltVal val="0"/>
+                                          </p:val>
+                                        </p:tav>
+                                        <p:tav tm="100000">
+                                          <p:val>
+                                            <p:strVal val="#ppt_w"/>
+                                          </p:val>
+                                        </p:tav>
+                                      </p:tavLst>
+                                    </p:anim>
+                                    <p:anim calcmode="lin" valueType="num">
+                                      <p:cBhvr>
+                                        <p:cTn id="27" dur="500" fill="hold"/>
+                                        <p:tgtEl>
+                                          <p:spTgt spid="5"/>
+                                        </p:tgtEl>
+                                        <p:attrNameLst>
+                                          <p:attrName>ppt_h</p:attrName>
+                                        </p:attrNameLst>
+                                      </p:cBhvr>
+                                      <p:tavLst>
+                                        <p:tav tm="0">
+                                          <p:val>
+                                            <p:fltVal val="0"/>
+                                          </p:val>
+                                        </p:tav>
+                                        <p:tav tm="100000">
+                                          <p:val>
+                                            <p:strVal val="#ppt_h"/>
+                                          </p:val>
+                                        </p:tav>
+                                      </p:tavLst>
+                                    </p:anim>
+                                    <p:animEffect transition="in" filter="fade">
+                                      <p:cBhvr>
+                                        <p:cTn id="28" dur="500"/>
+                                        <p:tgtEl>
+                                          <p:spTgt spid="5"/>
+                                        </p:tgtEl>
+                                      </p:cBhvr>
+                                    </p:animEffect>
                                   </p:childTnLst>
                                 </p:cTn>
                               </p:par>
@@ -11323,6 +11625,35 @@
       </p:sp>
       <p:pic>
         <p:nvPicPr>
+          <p:cNvPr id="6" name="Picture 5">
+            <a:extLst>
+              <a:ext uri="{FF2B5EF4-FFF2-40B4-BE49-F238E27FC236}">
+                <a16:creationId xmlns:a16="http://schemas.microsoft.com/office/drawing/2014/main" id="{1B498D30-4445-952D-9849-E0837CC0A314}"/>
+              </a:ext>
+            </a:extLst>
+          </p:cNvPr>
+          <p:cNvPicPr>
+            <a:picLocks noChangeAspect="1"/>
+          </p:cNvPicPr>
+          <p:nvPr/>
+        </p:nvPicPr>
+        <p:blipFill rotWithShape="1">
+          <a:blip r:embed="rId5"/>
+          <a:srcRect r="2754" b="37675"/>
+          <a:stretch/>
+        </p:blipFill>
+        <p:spPr>
+          <a:xfrm>
+            <a:off x="3140679" y="1216288"/>
+            <a:ext cx="5696246" cy="2937244"/>
+          </a:xfrm>
+          <a:prstGeom prst="rect">
+            <a:avLst/>
+          </a:prstGeom>
+        </p:spPr>
+      </p:pic>
+      <p:pic>
+        <p:nvPicPr>
           <p:cNvPr id="5" name="Picture 4">
             <a:extLst>
               <a:ext uri="{FF2B5EF4-FFF2-40B4-BE49-F238E27FC236}">
@@ -11336,14 +11667,14 @@
           <p:nvPr/>
         </p:nvPicPr>
         <p:blipFill>
-          <a:blip r:embed="rId5"/>
+          <a:blip r:embed="rId6"/>
           <a:stretch>
             <a:fillRect/>
           </a:stretch>
         </p:blipFill>
         <p:spPr>
           <a:xfrm>
-            <a:off x="1303756" y="3503150"/>
+            <a:off x="649659" y="3606729"/>
             <a:ext cx="3103783" cy="713193"/>
           </a:xfrm>
           <a:prstGeom prst="roundRect">
@@ -11358,7 +11689,7 @@
             <a:prstDash val="solid"/>
             <a:extLst>
               <a:ext uri="{C807C97D-BFC1-408E-A445-0C87EB9F89A2}">
-                <ask:lineSketchStyleProps xmlns:ask="http://schemas.microsoft.com/office/drawing/2018/sketchyshapes" xmlns="" sd="2459340768">
+                <ask:lineSketchStyleProps xmlns="" xmlns:ask="http://schemas.microsoft.com/office/drawing/2018/sketchyshapes" sd="2459340768">
                   <a:custGeom>
                     <a:avLst/>
                     <a:gdLst>
@@ -11706,36 +12037,6 @@
               </a:prstClr>
             </a:innerShdw>
           </a:effectLst>
-        </p:spPr>
-      </p:pic>
-      <p:pic>
-        <p:nvPicPr>
-          <p:cNvPr id="6" name="Picture 5">
-            <a:extLst>
-              <a:ext uri="{FF2B5EF4-FFF2-40B4-BE49-F238E27FC236}">
-                <a16:creationId xmlns:a16="http://schemas.microsoft.com/office/drawing/2014/main" id="{1B498D30-4445-952D-9849-E0837CC0A314}"/>
-              </a:ext>
-            </a:extLst>
-          </p:cNvPr>
-          <p:cNvPicPr>
-            <a:picLocks noChangeAspect="1"/>
-          </p:cNvPicPr>
-          <p:nvPr/>
-        </p:nvPicPr>
-        <p:blipFill>
-          <a:blip r:embed="rId6"/>
-          <a:stretch>
-            <a:fillRect/>
-          </a:stretch>
-        </p:blipFill>
-        <p:spPr>
-          <a:xfrm>
-            <a:off x="4571975" y="1430120"/>
-            <a:ext cx="3664342" cy="2948184"/>
-          </a:xfrm>
-          <a:prstGeom prst="rect">
-            <a:avLst/>
-          </a:prstGeom>
         </p:spPr>
       </p:pic>
     </p:spTree>
